--- a/Memristor Thesis/Pictures/flowchart2.pptx
+++ b/Memristor Thesis/Pictures/flowchart2.pptx
@@ -243,7 +243,7 @@
           <a:p>
             <a:fld id="{68188ED1-8F23-488E-B224-8B8603351B1F}" type="datetimeFigureOut">
               <a:rPr lang="es-CO" smtClean="0"/>
-              <a:t>17/08/2013</a:t>
+              <a:t>17/01/2014</a:t>
             </a:fld>
             <a:endParaRPr lang="es-CO"/>
           </a:p>
@@ -413,7 +413,7 @@
           <a:p>
             <a:fld id="{68188ED1-8F23-488E-B224-8B8603351B1F}" type="datetimeFigureOut">
               <a:rPr lang="es-CO" smtClean="0"/>
-              <a:t>17/08/2013</a:t>
+              <a:t>17/01/2014</a:t>
             </a:fld>
             <a:endParaRPr lang="es-CO"/>
           </a:p>
@@ -593,7 +593,7 @@
           <a:p>
             <a:fld id="{68188ED1-8F23-488E-B224-8B8603351B1F}" type="datetimeFigureOut">
               <a:rPr lang="es-CO" smtClean="0"/>
-              <a:t>17/08/2013</a:t>
+              <a:t>17/01/2014</a:t>
             </a:fld>
             <a:endParaRPr lang="es-CO"/>
           </a:p>
@@ -763,7 +763,7 @@
           <a:p>
             <a:fld id="{68188ED1-8F23-488E-B224-8B8603351B1F}" type="datetimeFigureOut">
               <a:rPr lang="es-CO" smtClean="0"/>
-              <a:t>17/08/2013</a:t>
+              <a:t>17/01/2014</a:t>
             </a:fld>
             <a:endParaRPr lang="es-CO"/>
           </a:p>
@@ -1007,7 +1007,7 @@
           <a:p>
             <a:fld id="{68188ED1-8F23-488E-B224-8B8603351B1F}" type="datetimeFigureOut">
               <a:rPr lang="es-CO" smtClean="0"/>
-              <a:t>17/08/2013</a:t>
+              <a:t>17/01/2014</a:t>
             </a:fld>
             <a:endParaRPr lang="es-CO"/>
           </a:p>
@@ -1239,7 +1239,7 @@
           <a:p>
             <a:fld id="{68188ED1-8F23-488E-B224-8B8603351B1F}" type="datetimeFigureOut">
               <a:rPr lang="es-CO" smtClean="0"/>
-              <a:t>17/08/2013</a:t>
+              <a:t>17/01/2014</a:t>
             </a:fld>
             <a:endParaRPr lang="es-CO"/>
           </a:p>
@@ -1606,7 +1606,7 @@
           <a:p>
             <a:fld id="{68188ED1-8F23-488E-B224-8B8603351B1F}" type="datetimeFigureOut">
               <a:rPr lang="es-CO" smtClean="0"/>
-              <a:t>17/08/2013</a:t>
+              <a:t>17/01/2014</a:t>
             </a:fld>
             <a:endParaRPr lang="es-CO"/>
           </a:p>
@@ -1724,7 +1724,7 @@
           <a:p>
             <a:fld id="{68188ED1-8F23-488E-B224-8B8603351B1F}" type="datetimeFigureOut">
               <a:rPr lang="es-CO" smtClean="0"/>
-              <a:t>17/08/2013</a:t>
+              <a:t>17/01/2014</a:t>
             </a:fld>
             <a:endParaRPr lang="es-CO"/>
           </a:p>
@@ -1819,7 +1819,7 @@
           <a:p>
             <a:fld id="{68188ED1-8F23-488E-B224-8B8603351B1F}" type="datetimeFigureOut">
               <a:rPr lang="es-CO" smtClean="0"/>
-              <a:t>17/08/2013</a:t>
+              <a:t>17/01/2014</a:t>
             </a:fld>
             <a:endParaRPr lang="es-CO"/>
           </a:p>
@@ -2096,7 +2096,7 @@
           <a:p>
             <a:fld id="{68188ED1-8F23-488E-B224-8B8603351B1F}" type="datetimeFigureOut">
               <a:rPr lang="es-CO" smtClean="0"/>
-              <a:t>17/08/2013</a:t>
+              <a:t>17/01/2014</a:t>
             </a:fld>
             <a:endParaRPr lang="es-CO"/>
           </a:p>
@@ -2353,7 +2353,7 @@
           <a:p>
             <a:fld id="{68188ED1-8F23-488E-B224-8B8603351B1F}" type="datetimeFigureOut">
               <a:rPr lang="es-CO" smtClean="0"/>
-              <a:t>17/08/2013</a:t>
+              <a:t>17/01/2014</a:t>
             </a:fld>
             <a:endParaRPr lang="es-CO"/>
           </a:p>
@@ -2566,7 +2566,7 @@
           <a:p>
             <a:fld id="{68188ED1-8F23-488E-B224-8B8603351B1F}" type="datetimeFigureOut">
               <a:rPr lang="es-CO" smtClean="0"/>
-              <a:t>17/08/2013</a:t>
+              <a:t>17/01/2014</a:t>
             </a:fld>
             <a:endParaRPr lang="es-CO"/>
           </a:p>
@@ -3441,8 +3441,8 @@
         </p:nvSpPr>
         <p:spPr>
           <a:xfrm>
-            <a:off x="1018003" y="2477953"/>
-            <a:ext cx="1587500" cy="484040"/>
+            <a:off x="1023010" y="2545753"/>
+            <a:ext cx="1587500" cy="346572"/>
           </a:xfrm>
           <a:prstGeom prst="roundRect">
             <a:avLst/>
@@ -3486,8 +3486,8 @@
         </p:nvSpPr>
         <p:spPr>
           <a:xfrm>
-            <a:off x="1009620" y="2511337"/>
-            <a:ext cx="1633240" cy="538609"/>
+            <a:off x="993393" y="2571473"/>
+            <a:ext cx="1633240" cy="430887"/>
           </a:xfrm>
           <a:prstGeom prst="rect">
             <a:avLst/>
@@ -3504,21 +3504,6 @@
               <a:rPr lang="en-US" sz="1100" dirty="0"/>
               <a:t>Calculate Current Density</a:t>
             </a:r>
-          </a:p>
-          <a:p>
-            <a:r>
-              <a:rPr lang="en-US" sz="700" dirty="0"/>
-              <a:t>(Finite Difference/</a:t>
-            </a:r>
-            <a:r>
-              <a:rPr lang="en-US" sz="700" dirty="0" err="1"/>
-              <a:t>Scharfatter-Gummel</a:t>
-            </a:r>
-            <a:r>
-              <a:rPr lang="en-US" sz="700" dirty="0"/>
-              <a:t>)</a:t>
-            </a:r>
-            <a:endParaRPr lang="es-CO" sz="700" dirty="0"/>
           </a:p>
           <a:p>
             <a:endParaRPr lang="en-US" sz="1100" dirty="0"/>
@@ -3535,9 +3520,9 @@
           <p:nvPr/>
         </p:nvCxnSpPr>
         <p:spPr>
-          <a:xfrm flipH="1">
-            <a:off x="1811753" y="2296534"/>
-            <a:ext cx="1914" cy="181419"/>
+          <a:xfrm>
+            <a:off x="1813667" y="2296534"/>
+            <a:ext cx="3093" cy="249219"/>
           </a:xfrm>
           <a:prstGeom prst="straightConnector1">
             <a:avLst/>
@@ -3570,7 +3555,7 @@
         <p:spPr>
           <a:xfrm>
             <a:off x="662403" y="3122527"/>
-            <a:ext cx="2298700" cy="624080"/>
+            <a:ext cx="2298700" cy="521113"/>
           </a:xfrm>
           <a:prstGeom prst="roundRect">
             <a:avLst/>
@@ -3615,7 +3600,7 @@
         <p:spPr>
           <a:xfrm>
             <a:off x="548103" y="3156797"/>
-            <a:ext cx="2527300" cy="569387"/>
+            <a:ext cx="2527300" cy="430887"/>
           </a:xfrm>
           <a:prstGeom prst="rect">
             <a:avLst/>
@@ -3638,15 +3623,13 @@
             <a:pPr algn="ctr"/>
             <a:r>
               <a:rPr lang="en-US" sz="1100" dirty="0"/>
-              <a:t>&amp; Update Carrier Distribution</a:t>
-            </a:r>
-          </a:p>
-          <a:p>
-            <a:pPr algn="ctr"/>
-            <a:r>
-              <a:rPr lang="en-US" sz="900" dirty="0"/>
-              <a:t>(Implicit or Explicit Time stepping) </a:t>
-            </a:r>
+              <a:t>&amp; Update Carrier </a:t>
+            </a:r>
+            <a:r>
+              <a:rPr lang="en-US" sz="1100" dirty="0" smtClean="0"/>
+              <a:t>Distribution</a:t>
+            </a:r>
+            <a:endParaRPr lang="en-US" sz="1100" dirty="0"/>
           </a:p>
         </p:txBody>
       </p:sp>
@@ -3660,8 +3643,8 @@
         </p:nvCxnSpPr>
         <p:spPr>
           <a:xfrm flipH="1">
-            <a:off x="1811747" y="2817327"/>
-            <a:ext cx="853" cy="305200"/>
+            <a:off x="1811753" y="2817327"/>
+            <a:ext cx="848" cy="305200"/>
           </a:xfrm>
           <a:prstGeom prst="straightConnector1">
             <a:avLst/>
@@ -3771,8 +3754,8 @@
         </p:nvCxnSpPr>
         <p:spPr>
           <a:xfrm>
-            <a:off x="1811747" y="3746607"/>
-            <a:ext cx="0" cy="164653"/>
+            <a:off x="1811753" y="3643640"/>
+            <a:ext cx="0" cy="267620"/>
           </a:xfrm>
           <a:prstGeom prst="straightConnector1">
             <a:avLst/>
@@ -4097,12 +4080,12 @@
         </p:nvCxnSpPr>
         <p:spPr>
           <a:xfrm rot="10800000" flipH="1">
-            <a:off x="985693" y="2719973"/>
-            <a:ext cx="32310" cy="1429258"/>
+            <a:off x="985692" y="2719039"/>
+            <a:ext cx="37317" cy="1430192"/>
           </a:xfrm>
           <a:prstGeom prst="bentConnector3">
             <a:avLst>
-              <a:gd name="adj1" fmla="val -1485794"/>
+              <a:gd name="adj1" fmla="val -1323381"/>
             </a:avLst>
           </a:prstGeom>
           <a:ln>

--- a/Memristor Thesis/Pictures/flowchart2.pptx
+++ b/Memristor Thesis/Pictures/flowchart2.pptx
@@ -243,7 +243,7 @@
           <a:p>
             <a:fld id="{68188ED1-8F23-488E-B224-8B8603351B1F}" type="datetimeFigureOut">
               <a:rPr lang="es-CO" smtClean="0"/>
-              <a:t>17/01/2014</a:t>
+              <a:t>20/04/2014</a:t>
             </a:fld>
             <a:endParaRPr lang="es-CO"/>
           </a:p>
@@ -413,7 +413,7 @@
           <a:p>
             <a:fld id="{68188ED1-8F23-488E-B224-8B8603351B1F}" type="datetimeFigureOut">
               <a:rPr lang="es-CO" smtClean="0"/>
-              <a:t>17/01/2014</a:t>
+              <a:t>20/04/2014</a:t>
             </a:fld>
             <a:endParaRPr lang="es-CO"/>
           </a:p>
@@ -593,7 +593,7 @@
           <a:p>
             <a:fld id="{68188ED1-8F23-488E-B224-8B8603351B1F}" type="datetimeFigureOut">
               <a:rPr lang="es-CO" smtClean="0"/>
-              <a:t>17/01/2014</a:t>
+              <a:t>20/04/2014</a:t>
             </a:fld>
             <a:endParaRPr lang="es-CO"/>
           </a:p>
@@ -763,7 +763,7 @@
           <a:p>
             <a:fld id="{68188ED1-8F23-488E-B224-8B8603351B1F}" type="datetimeFigureOut">
               <a:rPr lang="es-CO" smtClean="0"/>
-              <a:t>17/01/2014</a:t>
+              <a:t>20/04/2014</a:t>
             </a:fld>
             <a:endParaRPr lang="es-CO"/>
           </a:p>
@@ -1007,7 +1007,7 @@
           <a:p>
             <a:fld id="{68188ED1-8F23-488E-B224-8B8603351B1F}" type="datetimeFigureOut">
               <a:rPr lang="es-CO" smtClean="0"/>
-              <a:t>17/01/2014</a:t>
+              <a:t>20/04/2014</a:t>
             </a:fld>
             <a:endParaRPr lang="es-CO"/>
           </a:p>
@@ -1239,7 +1239,7 @@
           <a:p>
             <a:fld id="{68188ED1-8F23-488E-B224-8B8603351B1F}" type="datetimeFigureOut">
               <a:rPr lang="es-CO" smtClean="0"/>
-              <a:t>17/01/2014</a:t>
+              <a:t>20/04/2014</a:t>
             </a:fld>
             <a:endParaRPr lang="es-CO"/>
           </a:p>
@@ -1606,7 +1606,7 @@
           <a:p>
             <a:fld id="{68188ED1-8F23-488E-B224-8B8603351B1F}" type="datetimeFigureOut">
               <a:rPr lang="es-CO" smtClean="0"/>
-              <a:t>17/01/2014</a:t>
+              <a:t>20/04/2014</a:t>
             </a:fld>
             <a:endParaRPr lang="es-CO"/>
           </a:p>
@@ -1724,7 +1724,7 @@
           <a:p>
             <a:fld id="{68188ED1-8F23-488E-B224-8B8603351B1F}" type="datetimeFigureOut">
               <a:rPr lang="es-CO" smtClean="0"/>
-              <a:t>17/01/2014</a:t>
+              <a:t>20/04/2014</a:t>
             </a:fld>
             <a:endParaRPr lang="es-CO"/>
           </a:p>
@@ -1819,7 +1819,7 @@
           <a:p>
             <a:fld id="{68188ED1-8F23-488E-B224-8B8603351B1F}" type="datetimeFigureOut">
               <a:rPr lang="es-CO" smtClean="0"/>
-              <a:t>17/01/2014</a:t>
+              <a:t>20/04/2014</a:t>
             </a:fld>
             <a:endParaRPr lang="es-CO"/>
           </a:p>
@@ -2096,7 +2096,7 @@
           <a:p>
             <a:fld id="{68188ED1-8F23-488E-B224-8B8603351B1F}" type="datetimeFigureOut">
               <a:rPr lang="es-CO" smtClean="0"/>
-              <a:t>17/01/2014</a:t>
+              <a:t>20/04/2014</a:t>
             </a:fld>
             <a:endParaRPr lang="es-CO"/>
           </a:p>
@@ -2353,7 +2353,7 @@
           <a:p>
             <a:fld id="{68188ED1-8F23-488E-B224-8B8603351B1F}" type="datetimeFigureOut">
               <a:rPr lang="es-CO" smtClean="0"/>
-              <a:t>17/01/2014</a:t>
+              <a:t>20/04/2014</a:t>
             </a:fld>
             <a:endParaRPr lang="es-CO"/>
           </a:p>
@@ -2566,7 +2566,7 @@
           <a:p>
             <a:fld id="{68188ED1-8F23-488E-B224-8B8603351B1F}" type="datetimeFigureOut">
               <a:rPr lang="es-CO" smtClean="0"/>
-              <a:t>17/01/2014</a:t>
+              <a:t>20/04/2014</a:t>
             </a:fld>
             <a:endParaRPr lang="es-CO"/>
           </a:p>
@@ -2985,6 +2985,9 @@
           <a:prstGeom prst="roundRect">
             <a:avLst/>
           </a:prstGeom>
+          <a:solidFill>
+            <a:schemeClr val="bg1"/>
+          </a:solidFill>
         </p:spPr>
         <p:style>
           <a:lnRef idx="2">
@@ -3061,6 +3064,9 @@
           <a:prstGeom prst="roundRect">
             <a:avLst/>
           </a:prstGeom>
+          <a:solidFill>
+            <a:schemeClr val="bg1"/>
+          </a:solidFill>
         </p:spPr>
         <p:style>
           <a:lnRef idx="2">
@@ -3189,6 +3195,9 @@
           <a:prstGeom prst="roundRect">
             <a:avLst/>
           </a:prstGeom>
+          <a:solidFill>
+            <a:schemeClr val="bg1"/>
+          </a:solidFill>
         </p:spPr>
         <p:style>
           <a:lnRef idx="2">
@@ -3336,6 +3345,9 @@
           <a:prstGeom prst="roundRect">
             <a:avLst/>
           </a:prstGeom>
+          <a:solidFill>
+            <a:schemeClr val="bg1"/>
+          </a:solidFill>
         </p:spPr>
         <p:style>
           <a:lnRef idx="2">
@@ -3375,7 +3387,7 @@
         </p:nvSpPr>
         <p:spPr>
           <a:xfrm>
-            <a:off x="1032503" y="2048887"/>
+            <a:off x="1031433" y="2064049"/>
             <a:ext cx="1587500" cy="261610"/>
           </a:xfrm>
           <a:prstGeom prst="rect">
@@ -3447,6 +3459,9 @@
           <a:prstGeom prst="roundRect">
             <a:avLst/>
           </a:prstGeom>
+          <a:solidFill>
+            <a:schemeClr val="bg1"/>
+          </a:solidFill>
         </p:spPr>
         <p:style>
           <a:lnRef idx="2">
@@ -3560,6 +3575,9 @@
           <a:prstGeom prst="roundRect">
             <a:avLst/>
           </a:prstGeom>
+          <a:solidFill>
+            <a:schemeClr val="bg1"/>
+          </a:solidFill>
         </p:spPr>
         <p:style>
           <a:lnRef idx="2">
@@ -3682,6 +3700,9 @@
           <a:prstGeom prst="roundRect">
             <a:avLst/>
           </a:prstGeom>
+          <a:solidFill>
+            <a:schemeClr val="bg1"/>
+          </a:solidFill>
         </p:spPr>
         <p:style>
           <a:lnRef idx="2">
@@ -3793,6 +3814,9 @@
           <a:prstGeom prst="roundRect">
             <a:avLst/>
           </a:prstGeom>
+          <a:solidFill>
+            <a:schemeClr val="bg1"/>
+          </a:solidFill>
         </p:spPr>
         <p:style>
           <a:lnRef idx="2">
@@ -3934,6 +3958,7 @@
           <a:prstGeom prst="roundRect">
             <a:avLst/>
           </a:prstGeom>
+          <a:noFill/>
         </p:spPr>
         <p:style>
           <a:lnRef idx="2">
@@ -3973,7 +3998,7 @@
         </p:nvSpPr>
         <p:spPr>
           <a:xfrm>
-            <a:off x="1275080" y="4929870"/>
+            <a:off x="1267086" y="4953402"/>
             <a:ext cx="1085853" cy="261610"/>
           </a:xfrm>
           <a:prstGeom prst="rect">
